--- a/食谱APP.pptx
+++ b/食谱APP.pptx
@@ -15863,7 +15863,7 @@
         <p:spPr>
           <a:xfrm>
             <a:off x="6190101" y="1939177"/>
-            <a:ext cx="2853230" cy="460375"/>
+            <a:ext cx="2853230" cy="275590"/>
           </a:xfrm>
           <a:prstGeom prst="rect">
             <a:avLst/>
@@ -15888,88 +15888,8 @@
                     <a:lumOff val="15000"/>
                   </a:schemeClr>
                 </a:solidFill>
-                <a:sym typeface="+mn-ea"/>
-              </a:rPr>
-              <a:t>bmob</a:t>
-            </a:r>
-            <a:r>
-              <a:rPr lang="zh-CN" altLang="en-US" sz="1200">
-                <a:solidFill>
-                  <a:schemeClr val="tx1">
-                    <a:lumMod val="85000"/>
-                    <a:lumOff val="15000"/>
-                  </a:schemeClr>
-                </a:solidFill>
-                <a:sym typeface="+mn-ea"/>
-              </a:rPr>
-              <a:t>数据库</a:t>
-            </a:r>
-            <a:endParaRPr lang="zh-CN" altLang="en-US" sz="1200">
-              <a:solidFill>
-                <a:schemeClr val="tx1">
-                  <a:lumMod val="85000"/>
-                  <a:lumOff val="15000"/>
-                </a:schemeClr>
-              </a:solidFill>
-            </a:endParaRPr>
-          </a:p>
-          <a:p>
-            <a:pPr>
-              <a:spcAft>
-                <a:spcPts val="0"/>
-              </a:spcAft>
-            </a:pPr>
-            <a:endParaRPr lang="en-US" altLang="zh-CN" sz="1200">
-              <a:solidFill>
-                <a:schemeClr val="tx1">
-                  <a:lumMod val="85000"/>
-                  <a:lumOff val="15000"/>
-                </a:schemeClr>
-              </a:solidFill>
-            </a:endParaRPr>
-          </a:p>
-        </p:txBody>
-      </p:sp>
-      <p:sp>
-        <p:nvSpPr>
-          <p:cNvPr id="57" name="矩形 56"/>
-          <p:cNvSpPr/>
-          <p:nvPr/>
-        </p:nvSpPr>
-        <p:spPr>
-          <a:xfrm>
-            <a:off x="6224270" y="2577465"/>
-            <a:ext cx="2747010" cy="2249170"/>
-          </a:xfrm>
-          <a:prstGeom prst="rect">
-            <a:avLst/>
-          </a:prstGeom>
-        </p:spPr>
-        <p:txBody>
-          <a:bodyPr wrap="square">
-            <a:spAutoFit/>
-          </a:bodyPr>
-          <a:lstStyle/>
-          <a:p>
-            <a:pPr>
-              <a:lnSpc>
-                <a:spcPct val="130000"/>
-              </a:lnSpc>
-              <a:spcBef>
-                <a:spcPts val="600"/>
-              </a:spcBef>
-            </a:pPr>
-            <a:r>
-              <a:rPr lang="en-US" altLang="zh-CN" sz="1200">
-                <a:solidFill>
-                  <a:schemeClr val="tx1">
-                    <a:lumMod val="85000"/>
-                    <a:lumOff val="15000"/>
-                  </a:schemeClr>
-                </a:solidFill>
-                <a:sym typeface="+mn-ea"/>
-              </a:rPr>
-              <a:t>bmob是一个可以开发云存储的移动应用软件，给应用软件快速添加一个安全灵活的后台管理系统，方便浏览终端保存的各种信息。针对移动应用开发的特性，Bmob还提供了主动推送服务. Bmob还提供了简洁的文件存储功能，仅通过调用文件存储API就能够将视频、音频、照片、APK等文件存放到服务器端，以供随时下载使用。</a:t>
+              </a:rPr>
+              <a:t>选择mysql与springboot数据库</a:t>
             </a:r>
             <a:endParaRPr lang="en-US" altLang="zh-CN" sz="1200">
               <a:solidFill>
@@ -16155,891 +16075,6 @@
           </a:p>
         </p:txBody>
       </p:sp>
-      <p:grpSp>
-        <p:nvGrpSpPr>
-          <p:cNvPr id="25" name="组合 24"/>
-          <p:cNvGrpSpPr/>
-          <p:nvPr/>
-        </p:nvGrpSpPr>
-        <p:grpSpPr>
-          <a:xfrm>
-            <a:off x="6314891" y="2604384"/>
-            <a:ext cx="576046" cy="578640"/>
-            <a:chOff x="5478463" y="2630488"/>
-            <a:chExt cx="352425" cy="354012"/>
-          </a:xfrm>
-        </p:grpSpPr>
-        <p:sp>
-          <p:nvSpPr>
-            <p:cNvPr id="26" name="AutoShape 37"/>
-            <p:cNvSpPr/>
-            <p:nvPr/>
-          </p:nvSpPr>
-          <p:spPr bwMode="auto">
-            <a:xfrm>
-              <a:off x="5478463" y="2663825"/>
-              <a:ext cx="320675" cy="320675"/>
-            </a:xfrm>
-            <a:custGeom>
-              <a:avLst/>
-              <a:gdLst>
-                <a:gd name="T0" fmla="+- 0 10849 98"/>
-                <a:gd name="T1" fmla="*/ T0 w 21502"/>
-                <a:gd name="T2" fmla="*/ 10800 h 21600"/>
-                <a:gd name="T3" fmla="+- 0 10849 98"/>
-                <a:gd name="T4" fmla="*/ T3 w 21502"/>
-                <a:gd name="T5" fmla="*/ 10800 h 21600"/>
-                <a:gd name="T6" fmla="+- 0 10849 98"/>
-                <a:gd name="T7" fmla="*/ T6 w 21502"/>
-                <a:gd name="T8" fmla="*/ 10800 h 21600"/>
-                <a:gd name="T9" fmla="+- 0 10849 98"/>
-                <a:gd name="T10" fmla="*/ T9 w 21502"/>
-                <a:gd name="T11" fmla="*/ 10800 h 21600"/>
-              </a:gdLst>
-              <a:ahLst/>
-              <a:cxnLst>
-                <a:cxn ang="0">
-                  <a:pos x="T1" y="T2"/>
-                </a:cxn>
-                <a:cxn ang="0">
-                  <a:pos x="T4" y="T5"/>
-                </a:cxn>
-                <a:cxn ang="0">
-                  <a:pos x="T7" y="T8"/>
-                </a:cxn>
-                <a:cxn ang="0">
-                  <a:pos x="T10" y="T11"/>
-                </a:cxn>
-              </a:cxnLst>
-              <a:rect l="0" t="0" r="r" b="b"/>
-              <a:pathLst>
-                <a:path w="21502" h="21600">
-                  <a:moveTo>
-                    <a:pt x="19917" y="7880"/>
-                  </a:moveTo>
-                  <a:lnTo>
-                    <a:pt x="18875" y="8932"/>
-                  </a:lnTo>
-                  <a:cubicBezTo>
-                    <a:pt x="18730" y="9079"/>
-                    <a:pt x="18497" y="9079"/>
-                    <a:pt x="18353" y="8932"/>
-                  </a:cubicBezTo>
-                  <a:lnTo>
-                    <a:pt x="17048" y="7617"/>
-                  </a:lnTo>
-                  <a:lnTo>
-                    <a:pt x="15991" y="10290"/>
-                  </a:lnTo>
-                  <a:lnTo>
-                    <a:pt x="16080" y="10064"/>
-                  </a:lnTo>
-                  <a:cubicBezTo>
-                    <a:pt x="13859" y="7826"/>
-                    <a:pt x="11601" y="7544"/>
-                    <a:pt x="9565" y="7291"/>
-                  </a:cubicBezTo>
-                  <a:cubicBezTo>
-                    <a:pt x="8910" y="7210"/>
-                    <a:pt x="8276" y="7126"/>
-                    <a:pt x="7652" y="6990"/>
-                  </a:cubicBezTo>
-                  <a:lnTo>
-                    <a:pt x="13918" y="4456"/>
-                  </a:lnTo>
-                  <a:lnTo>
-                    <a:pt x="12652" y="3179"/>
-                  </a:lnTo>
-                  <a:cubicBezTo>
-                    <a:pt x="12508" y="3033"/>
-                    <a:pt x="12508" y="2798"/>
-                    <a:pt x="12652" y="2652"/>
-                  </a:cubicBezTo>
-                  <a:lnTo>
-                    <a:pt x="13695" y="1598"/>
-                  </a:lnTo>
-                  <a:cubicBezTo>
-                    <a:pt x="13840" y="1453"/>
-                    <a:pt x="14073" y="1453"/>
-                    <a:pt x="14217" y="1598"/>
-                  </a:cubicBezTo>
-                  <a:lnTo>
-                    <a:pt x="19917" y="7353"/>
-                  </a:lnTo>
-                  <a:cubicBezTo>
-                    <a:pt x="20062" y="7499"/>
-                    <a:pt x="20062" y="7734"/>
-                    <a:pt x="19917" y="7880"/>
-                  </a:cubicBezTo>
-                  <a:moveTo>
-                    <a:pt x="12292" y="19639"/>
-                  </a:moveTo>
-                  <a:cubicBezTo>
-                    <a:pt x="12200" y="19872"/>
-                    <a:pt x="11999" y="20044"/>
-                    <a:pt x="11756" y="20095"/>
-                  </a:cubicBezTo>
-                  <a:cubicBezTo>
-                    <a:pt x="11700" y="20106"/>
-                    <a:pt x="11643" y="20111"/>
-                    <a:pt x="11587" y="20110"/>
-                  </a:cubicBezTo>
-                  <a:cubicBezTo>
-                    <a:pt x="11400" y="20105"/>
-                    <a:pt x="11219" y="20030"/>
-                    <a:pt x="11084" y="19892"/>
-                  </a:cubicBezTo>
-                  <a:lnTo>
-                    <a:pt x="1692" y="10517"/>
-                  </a:lnTo>
-                  <a:cubicBezTo>
-                    <a:pt x="1519" y="10343"/>
-                    <a:pt x="1443" y="10094"/>
-                    <a:pt x="1488" y="9852"/>
-                  </a:cubicBezTo>
-                  <a:cubicBezTo>
-                    <a:pt x="1533" y="9610"/>
-                    <a:pt x="1695" y="9407"/>
-                    <a:pt x="1917" y="9308"/>
-                  </a:cubicBezTo>
-                  <a:lnTo>
-                    <a:pt x="6505" y="7453"/>
-                  </a:lnTo>
-                  <a:cubicBezTo>
-                    <a:pt x="9597" y="8490"/>
-                    <a:pt x="12689" y="7491"/>
-                    <a:pt x="15781" y="10821"/>
-                  </a:cubicBezTo>
-                  <a:cubicBezTo>
-                    <a:pt x="15781" y="10821"/>
-                    <a:pt x="12292" y="19639"/>
-                    <a:pt x="12292" y="19639"/>
-                  </a:cubicBezTo>
-                  <a:close/>
-                  <a:moveTo>
-                    <a:pt x="15260" y="545"/>
-                  </a:moveTo>
-                  <a:cubicBezTo>
-                    <a:pt x="14912" y="193"/>
-                    <a:pt x="14449" y="0"/>
-                    <a:pt x="13956" y="0"/>
-                  </a:cubicBezTo>
-                  <a:cubicBezTo>
-                    <a:pt x="13463" y="0"/>
-                    <a:pt x="13000" y="193"/>
-                    <a:pt x="12651" y="546"/>
-                  </a:cubicBezTo>
-                  <a:lnTo>
-                    <a:pt x="11610" y="1598"/>
-                  </a:lnTo>
-                  <a:cubicBezTo>
-                    <a:pt x="11261" y="1949"/>
-                    <a:pt x="11068" y="2417"/>
-                    <a:pt x="11068" y="2915"/>
-                  </a:cubicBezTo>
-                  <a:cubicBezTo>
-                    <a:pt x="11068" y="3265"/>
-                    <a:pt x="11164" y="3601"/>
-                    <a:pt x="11342" y="3893"/>
-                  </a:cubicBezTo>
-                  <a:lnTo>
-                    <a:pt x="1324" y="7944"/>
-                  </a:lnTo>
-                  <a:cubicBezTo>
-                    <a:pt x="654" y="8241"/>
-                    <a:pt x="173" y="8851"/>
-                    <a:pt x="38" y="9575"/>
-                  </a:cubicBezTo>
-                  <a:cubicBezTo>
-                    <a:pt x="-98" y="10302"/>
-                    <a:pt x="130" y="11048"/>
-                    <a:pt x="654" y="11576"/>
-                  </a:cubicBezTo>
-                  <a:lnTo>
-                    <a:pt x="10041" y="20946"/>
-                  </a:lnTo>
-                  <a:cubicBezTo>
-                    <a:pt x="10445" y="21354"/>
-                    <a:pt x="10982" y="21586"/>
-                    <a:pt x="11549" y="21599"/>
-                  </a:cubicBezTo>
-                  <a:cubicBezTo>
-                    <a:pt x="11562" y="21599"/>
-                    <a:pt x="11593" y="21599"/>
-                    <a:pt x="11605" y="21599"/>
-                  </a:cubicBezTo>
-                  <a:cubicBezTo>
-                    <a:pt x="11754" y="21599"/>
-                    <a:pt x="11906" y="21584"/>
-                    <a:pt x="12056" y="21553"/>
-                  </a:cubicBezTo>
-                  <a:cubicBezTo>
-                    <a:pt x="12789" y="21399"/>
-                    <a:pt x="13390" y="20888"/>
-                    <a:pt x="13662" y="20191"/>
-                  </a:cubicBezTo>
-                  <a:lnTo>
-                    <a:pt x="17604" y="10229"/>
-                  </a:lnTo>
-                  <a:cubicBezTo>
-                    <a:pt x="17902" y="10426"/>
-                    <a:pt x="18250" y="10532"/>
-                    <a:pt x="18613" y="10532"/>
-                  </a:cubicBezTo>
-                  <a:cubicBezTo>
-                    <a:pt x="19107" y="10532"/>
-                    <a:pt x="19570" y="10338"/>
-                    <a:pt x="19918" y="9986"/>
-                  </a:cubicBezTo>
-                  <a:lnTo>
-                    <a:pt x="20957" y="8937"/>
-                  </a:lnTo>
-                  <a:cubicBezTo>
-                    <a:pt x="21308" y="8585"/>
-                    <a:pt x="21502" y="8116"/>
-                    <a:pt x="21502" y="7617"/>
-                  </a:cubicBezTo>
-                  <a:cubicBezTo>
-                    <a:pt x="21502" y="7117"/>
-                    <a:pt x="21308" y="6648"/>
-                    <a:pt x="20961" y="6300"/>
-                  </a:cubicBezTo>
-                  <a:cubicBezTo>
-                    <a:pt x="20961" y="6300"/>
-                    <a:pt x="15260" y="545"/>
-                    <a:pt x="15260" y="545"/>
-                  </a:cubicBezTo>
-                  <a:close/>
-                </a:path>
-              </a:pathLst>
-            </a:custGeom>
-            <a:solidFill>
-              <a:sysClr val="window" lastClr="FFFFFF"/>
-            </a:solidFill>
-            <a:ln>
-              <a:noFill/>
-            </a:ln>
-            <a:effectLst/>
-          </p:spPr>
-          <p:txBody>
-            <a:bodyPr lIns="19050" tIns="19050" rIns="19050" bIns="19050" anchor="ctr"/>
-            <a:lstStyle/>
-            <a:p>
-              <a:pPr algn="ctr" defTabSz="228600" fontAlgn="base" hangingPunct="0">
-                <a:spcBef>
-                  <a:spcPct val="0"/>
-                </a:spcBef>
-                <a:spcAft>
-                  <a:spcPct val="0"/>
-                </a:spcAft>
-                <a:defRPr/>
-              </a:pPr>
-              <a:endParaRPr lang="en-US" sz="1500" kern="0">
-                <a:solidFill>
-                  <a:srgbClr val="FFFFFF"/>
-                </a:solidFill>
-                <a:effectLst>
-                  <a:outerShdw blurRad="38100" dist="38100" dir="2700000" algn="tl">
-                    <a:srgbClr val="000000"/>
-                  </a:outerShdw>
-                </a:effectLst>
-                <a:latin typeface="Gill Sans" charset="0"/>
-                <a:ea typeface="宋体" panose="02010600030101010101" pitchFamily="2" charset="-122"/>
-                <a:sym typeface="Gill Sans" charset="0"/>
-              </a:endParaRPr>
-            </a:p>
-          </p:txBody>
-        </p:sp>
-        <p:sp>
-          <p:nvSpPr>
-            <p:cNvPr id="27" name="AutoShape 38"/>
-            <p:cNvSpPr/>
-            <p:nvPr/>
-          </p:nvSpPr>
-          <p:spPr bwMode="auto">
-            <a:xfrm>
-              <a:off x="5632450" y="2808288"/>
-              <a:ext cx="53975" cy="53975"/>
-            </a:xfrm>
-            <a:custGeom>
-              <a:avLst/>
-              <a:gdLst>
-                <a:gd name="T0" fmla="*/ 10800 w 21600"/>
-                <a:gd name="T1" fmla="*/ 10800 h 21600"/>
-                <a:gd name="T2" fmla="*/ 10800 w 21600"/>
-                <a:gd name="T3" fmla="*/ 10800 h 21600"/>
-                <a:gd name="T4" fmla="*/ 10800 w 21600"/>
-                <a:gd name="T5" fmla="*/ 10800 h 21600"/>
-                <a:gd name="T6" fmla="*/ 10800 w 21600"/>
-                <a:gd name="T7" fmla="*/ 10800 h 21600"/>
-              </a:gdLst>
-              <a:ahLst/>
-              <a:cxnLst>
-                <a:cxn ang="0">
-                  <a:pos x="T0" y="T1"/>
-                </a:cxn>
-                <a:cxn ang="0">
-                  <a:pos x="T2" y="T3"/>
-                </a:cxn>
-                <a:cxn ang="0">
-                  <a:pos x="T4" y="T5"/>
-                </a:cxn>
-                <a:cxn ang="0">
-                  <a:pos x="T6" y="T7"/>
-                </a:cxn>
-              </a:cxnLst>
-              <a:rect l="0" t="0" r="r" b="b"/>
-              <a:pathLst>
-                <a:path w="21600" h="21600">
-                  <a:moveTo>
-                    <a:pt x="10800" y="4320"/>
-                  </a:moveTo>
-                  <a:cubicBezTo>
-                    <a:pt x="14381" y="4320"/>
-                    <a:pt x="17279" y="7222"/>
-                    <a:pt x="17279" y="10800"/>
-                  </a:cubicBezTo>
-                  <a:cubicBezTo>
-                    <a:pt x="17279" y="14377"/>
-                    <a:pt x="14381" y="17279"/>
-                    <a:pt x="10800" y="17279"/>
-                  </a:cubicBezTo>
-                  <a:cubicBezTo>
-                    <a:pt x="7218" y="17279"/>
-                    <a:pt x="4319" y="14377"/>
-                    <a:pt x="4319" y="10800"/>
-                  </a:cubicBezTo>
-                  <a:cubicBezTo>
-                    <a:pt x="4319" y="7222"/>
-                    <a:pt x="7218" y="4320"/>
-                    <a:pt x="10800" y="4320"/>
-                  </a:cubicBezTo>
-                  <a:moveTo>
-                    <a:pt x="10800" y="21599"/>
-                  </a:moveTo>
-                  <a:cubicBezTo>
-                    <a:pt x="16752" y="21599"/>
-                    <a:pt x="21600" y="16756"/>
-                    <a:pt x="21600" y="10800"/>
-                  </a:cubicBezTo>
-                  <a:cubicBezTo>
-                    <a:pt x="21600" y="4843"/>
-                    <a:pt x="16752" y="0"/>
-                    <a:pt x="10800" y="0"/>
-                  </a:cubicBezTo>
-                  <a:cubicBezTo>
-                    <a:pt x="4847" y="0"/>
-                    <a:pt x="0" y="4843"/>
-                    <a:pt x="0" y="10800"/>
-                  </a:cubicBezTo>
-                  <a:cubicBezTo>
-                    <a:pt x="0" y="16756"/>
-                    <a:pt x="4847" y="21599"/>
-                    <a:pt x="10800" y="21599"/>
-                  </a:cubicBezTo>
-                </a:path>
-              </a:pathLst>
-            </a:custGeom>
-            <a:solidFill>
-              <a:sysClr val="window" lastClr="FFFFFF"/>
-            </a:solidFill>
-            <a:ln>
-              <a:noFill/>
-            </a:ln>
-            <a:effectLst/>
-          </p:spPr>
-          <p:txBody>
-            <a:bodyPr lIns="19050" tIns="19050" rIns="19050" bIns="19050" anchor="ctr"/>
-            <a:lstStyle/>
-            <a:p>
-              <a:pPr algn="ctr" defTabSz="228600" fontAlgn="base" hangingPunct="0">
-                <a:spcBef>
-                  <a:spcPct val="0"/>
-                </a:spcBef>
-                <a:spcAft>
-                  <a:spcPct val="0"/>
-                </a:spcAft>
-                <a:defRPr/>
-              </a:pPr>
-              <a:endParaRPr lang="en-US" sz="1500" kern="0">
-                <a:solidFill>
-                  <a:srgbClr val="FFFFFF"/>
-                </a:solidFill>
-                <a:effectLst>
-                  <a:outerShdw blurRad="38100" dist="38100" dir="2700000" algn="tl">
-                    <a:srgbClr val="000000"/>
-                  </a:outerShdw>
-                </a:effectLst>
-                <a:latin typeface="Gill Sans" charset="0"/>
-                <a:ea typeface="宋体" panose="02010600030101010101" pitchFamily="2" charset="-122"/>
-                <a:sym typeface="Gill Sans" charset="0"/>
-              </a:endParaRPr>
-            </a:p>
-          </p:txBody>
-        </p:sp>
-        <p:sp>
-          <p:nvSpPr>
-            <p:cNvPr id="28" name="AutoShape 39"/>
-            <p:cNvSpPr/>
-            <p:nvPr/>
-          </p:nvSpPr>
-          <p:spPr bwMode="auto">
-            <a:xfrm>
-              <a:off x="5775325" y="2630488"/>
-              <a:ext cx="55563" cy="55562"/>
-            </a:xfrm>
-            <a:custGeom>
-              <a:avLst/>
-              <a:gdLst>
-                <a:gd name="T0" fmla="*/ 10800 w 21600"/>
-                <a:gd name="T1" fmla="*/ 10800 h 21600"/>
-                <a:gd name="T2" fmla="*/ 10800 w 21600"/>
-                <a:gd name="T3" fmla="*/ 10800 h 21600"/>
-                <a:gd name="T4" fmla="*/ 10800 w 21600"/>
-                <a:gd name="T5" fmla="*/ 10800 h 21600"/>
-                <a:gd name="T6" fmla="*/ 10800 w 21600"/>
-                <a:gd name="T7" fmla="*/ 10800 h 21600"/>
-              </a:gdLst>
-              <a:ahLst/>
-              <a:cxnLst>
-                <a:cxn ang="0">
-                  <a:pos x="T0" y="T1"/>
-                </a:cxn>
-                <a:cxn ang="0">
-                  <a:pos x="T2" y="T3"/>
-                </a:cxn>
-                <a:cxn ang="0">
-                  <a:pos x="T4" y="T5"/>
-                </a:cxn>
-                <a:cxn ang="0">
-                  <a:pos x="T6" y="T7"/>
-                </a:cxn>
-              </a:cxnLst>
-              <a:rect l="0" t="0" r="r" b="b"/>
-              <a:pathLst>
-                <a:path w="21600" h="21600">
-                  <a:moveTo>
-                    <a:pt x="10800" y="17279"/>
-                  </a:moveTo>
-                  <a:cubicBezTo>
-                    <a:pt x="7218" y="17279"/>
-                    <a:pt x="4320" y="14377"/>
-                    <a:pt x="4320" y="10800"/>
-                  </a:cubicBezTo>
-                  <a:cubicBezTo>
-                    <a:pt x="4320" y="7222"/>
-                    <a:pt x="7218" y="4320"/>
-                    <a:pt x="10800" y="4320"/>
-                  </a:cubicBezTo>
-                  <a:cubicBezTo>
-                    <a:pt x="14381" y="4320"/>
-                    <a:pt x="17280" y="7222"/>
-                    <a:pt x="17280" y="10800"/>
-                  </a:cubicBezTo>
-                  <a:cubicBezTo>
-                    <a:pt x="17280" y="14377"/>
-                    <a:pt x="14381" y="17279"/>
-                    <a:pt x="10800" y="17279"/>
-                  </a:cubicBezTo>
-                  <a:moveTo>
-                    <a:pt x="10800" y="0"/>
-                  </a:moveTo>
-                  <a:cubicBezTo>
-                    <a:pt x="4847" y="0"/>
-                    <a:pt x="0" y="4843"/>
-                    <a:pt x="0" y="10800"/>
-                  </a:cubicBezTo>
-                  <a:cubicBezTo>
-                    <a:pt x="0" y="16756"/>
-                    <a:pt x="4847" y="21599"/>
-                    <a:pt x="10800" y="21599"/>
-                  </a:cubicBezTo>
-                  <a:cubicBezTo>
-                    <a:pt x="16752" y="21599"/>
-                    <a:pt x="21600" y="16756"/>
-                    <a:pt x="21600" y="10800"/>
-                  </a:cubicBezTo>
-                  <a:cubicBezTo>
-                    <a:pt x="21600" y="4843"/>
-                    <a:pt x="16752" y="0"/>
-                    <a:pt x="10800" y="0"/>
-                  </a:cubicBezTo>
-                </a:path>
-              </a:pathLst>
-            </a:custGeom>
-            <a:solidFill>
-              <a:sysClr val="window" lastClr="FFFFFF"/>
-            </a:solidFill>
-            <a:ln>
-              <a:noFill/>
-            </a:ln>
-            <a:effectLst/>
-          </p:spPr>
-          <p:txBody>
-            <a:bodyPr lIns="19050" tIns="19050" rIns="19050" bIns="19050" anchor="ctr"/>
-            <a:lstStyle/>
-            <a:p>
-              <a:pPr algn="ctr" defTabSz="228600" fontAlgn="base" hangingPunct="0">
-                <a:spcBef>
-                  <a:spcPct val="0"/>
-                </a:spcBef>
-                <a:spcAft>
-                  <a:spcPct val="0"/>
-                </a:spcAft>
-                <a:defRPr/>
-              </a:pPr>
-              <a:endParaRPr lang="en-US" sz="1500" kern="0">
-                <a:solidFill>
-                  <a:srgbClr val="FFFFFF"/>
-                </a:solidFill>
-                <a:effectLst>
-                  <a:outerShdw blurRad="38100" dist="38100" dir="2700000" algn="tl">
-                    <a:srgbClr val="000000"/>
-                  </a:outerShdw>
-                </a:effectLst>
-                <a:latin typeface="Gill Sans" charset="0"/>
-                <a:ea typeface="宋体" panose="02010600030101010101" pitchFamily="2" charset="-122"/>
-                <a:sym typeface="Gill Sans" charset="0"/>
-              </a:endParaRPr>
-            </a:p>
-          </p:txBody>
-        </p:sp>
-        <p:sp>
-          <p:nvSpPr>
-            <p:cNvPr id="29" name="AutoShape 40"/>
-            <p:cNvSpPr/>
-            <p:nvPr/>
-          </p:nvSpPr>
-          <p:spPr bwMode="auto">
-            <a:xfrm>
-              <a:off x="5565775" y="2797175"/>
-              <a:ext cx="44450" cy="44450"/>
-            </a:xfrm>
-            <a:custGeom>
-              <a:avLst/>
-              <a:gdLst>
-                <a:gd name="T0" fmla="*/ 10800 w 21600"/>
-                <a:gd name="T1" fmla="*/ 10800 h 21600"/>
-                <a:gd name="T2" fmla="*/ 10800 w 21600"/>
-                <a:gd name="T3" fmla="*/ 10800 h 21600"/>
-                <a:gd name="T4" fmla="*/ 10800 w 21600"/>
-                <a:gd name="T5" fmla="*/ 10800 h 21600"/>
-                <a:gd name="T6" fmla="*/ 10800 w 21600"/>
-                <a:gd name="T7" fmla="*/ 10800 h 21600"/>
-              </a:gdLst>
-              <a:ahLst/>
-              <a:cxnLst>
-                <a:cxn ang="0">
-                  <a:pos x="T0" y="T1"/>
-                </a:cxn>
-                <a:cxn ang="0">
-                  <a:pos x="T2" y="T3"/>
-                </a:cxn>
-                <a:cxn ang="0">
-                  <a:pos x="T4" y="T5"/>
-                </a:cxn>
-                <a:cxn ang="0">
-                  <a:pos x="T6" y="T7"/>
-                </a:cxn>
-              </a:cxnLst>
-              <a:rect l="0" t="0" r="r" b="b"/>
-              <a:pathLst>
-                <a:path w="21600" h="21600">
-                  <a:moveTo>
-                    <a:pt x="10800" y="5400"/>
-                  </a:moveTo>
-                  <a:cubicBezTo>
-                    <a:pt x="13779" y="5400"/>
-                    <a:pt x="16199" y="7815"/>
-                    <a:pt x="16199" y="10800"/>
-                  </a:cubicBezTo>
-                  <a:cubicBezTo>
-                    <a:pt x="16199" y="13784"/>
-                    <a:pt x="13779" y="16200"/>
-                    <a:pt x="10800" y="16200"/>
-                  </a:cubicBezTo>
-                  <a:cubicBezTo>
-                    <a:pt x="7820" y="16200"/>
-                    <a:pt x="5399" y="13784"/>
-                    <a:pt x="5399" y="10800"/>
-                  </a:cubicBezTo>
-                  <a:cubicBezTo>
-                    <a:pt x="5399" y="7815"/>
-                    <a:pt x="7820" y="5400"/>
-                    <a:pt x="10800" y="5400"/>
-                  </a:cubicBezTo>
-                  <a:moveTo>
-                    <a:pt x="0" y="10800"/>
-                  </a:moveTo>
-                  <a:cubicBezTo>
-                    <a:pt x="0" y="16753"/>
-                    <a:pt x="4843" y="21599"/>
-                    <a:pt x="10800" y="21599"/>
-                  </a:cubicBezTo>
-                  <a:cubicBezTo>
-                    <a:pt x="16756" y="21599"/>
-                    <a:pt x="21600" y="16753"/>
-                    <a:pt x="21600" y="10800"/>
-                  </a:cubicBezTo>
-                  <a:cubicBezTo>
-                    <a:pt x="21600" y="4846"/>
-                    <a:pt x="16756" y="0"/>
-                    <a:pt x="10800" y="0"/>
-                  </a:cubicBezTo>
-                  <a:cubicBezTo>
-                    <a:pt x="4843" y="0"/>
-                    <a:pt x="0" y="4846"/>
-                    <a:pt x="0" y="10800"/>
-                  </a:cubicBezTo>
-                </a:path>
-              </a:pathLst>
-            </a:custGeom>
-            <a:solidFill>
-              <a:sysClr val="window" lastClr="FFFFFF"/>
-            </a:solidFill>
-            <a:ln>
-              <a:noFill/>
-            </a:ln>
-            <a:effectLst/>
-          </p:spPr>
-          <p:txBody>
-            <a:bodyPr lIns="19050" tIns="19050" rIns="19050" bIns="19050" anchor="ctr"/>
-            <a:lstStyle/>
-            <a:p>
-              <a:pPr algn="ctr" defTabSz="228600" fontAlgn="base" hangingPunct="0">
-                <a:spcBef>
-                  <a:spcPct val="0"/>
-                </a:spcBef>
-                <a:spcAft>
-                  <a:spcPct val="0"/>
-                </a:spcAft>
-                <a:defRPr/>
-              </a:pPr>
-              <a:endParaRPr lang="en-US" sz="1500" kern="0">
-                <a:solidFill>
-                  <a:srgbClr val="FFFFFF"/>
-                </a:solidFill>
-                <a:effectLst>
-                  <a:outerShdw blurRad="38100" dist="38100" dir="2700000" algn="tl">
-                    <a:srgbClr val="000000"/>
-                  </a:outerShdw>
-                </a:effectLst>
-                <a:latin typeface="Gill Sans" charset="0"/>
-                <a:ea typeface="宋体" panose="02010600030101010101" pitchFamily="2" charset="-122"/>
-                <a:sym typeface="Gill Sans" charset="0"/>
-              </a:endParaRPr>
-            </a:p>
-          </p:txBody>
-        </p:sp>
-        <p:sp>
-          <p:nvSpPr>
-            <p:cNvPr id="30" name="AutoShape 41"/>
-            <p:cNvSpPr/>
-            <p:nvPr/>
-          </p:nvSpPr>
-          <p:spPr bwMode="auto">
-            <a:xfrm>
-              <a:off x="5610225" y="2873375"/>
-              <a:ext cx="22225" cy="22225"/>
-            </a:xfrm>
-            <a:custGeom>
-              <a:avLst/>
-              <a:gdLst>
-                <a:gd name="T0" fmla="*/ 10800 w 21600"/>
-                <a:gd name="T1" fmla="*/ 10800 h 21600"/>
-                <a:gd name="T2" fmla="*/ 10800 w 21600"/>
-                <a:gd name="T3" fmla="*/ 10800 h 21600"/>
-                <a:gd name="T4" fmla="*/ 10800 w 21600"/>
-                <a:gd name="T5" fmla="*/ 10800 h 21600"/>
-                <a:gd name="T6" fmla="*/ 10800 w 21600"/>
-                <a:gd name="T7" fmla="*/ 10800 h 21600"/>
-              </a:gdLst>
-              <a:ahLst/>
-              <a:cxnLst>
-                <a:cxn ang="0">
-                  <a:pos x="T0" y="T1"/>
-                </a:cxn>
-                <a:cxn ang="0">
-                  <a:pos x="T2" y="T3"/>
-                </a:cxn>
-                <a:cxn ang="0">
-                  <a:pos x="T4" y="T5"/>
-                </a:cxn>
-                <a:cxn ang="0">
-                  <a:pos x="T6" y="T7"/>
-                </a:cxn>
-              </a:cxnLst>
-              <a:rect l="0" t="0" r="r" b="b"/>
-              <a:pathLst>
-                <a:path w="21600" h="21600">
-                  <a:moveTo>
-                    <a:pt x="10800" y="21599"/>
-                  </a:moveTo>
-                  <a:cubicBezTo>
-                    <a:pt x="16758" y="21599"/>
-                    <a:pt x="21600" y="16769"/>
-                    <a:pt x="21600" y="10800"/>
-                  </a:cubicBezTo>
-                  <a:cubicBezTo>
-                    <a:pt x="21600" y="4830"/>
-                    <a:pt x="16758" y="0"/>
-                    <a:pt x="10800" y="0"/>
-                  </a:cubicBezTo>
-                  <a:cubicBezTo>
-                    <a:pt x="4841" y="0"/>
-                    <a:pt x="0" y="4830"/>
-                    <a:pt x="0" y="10800"/>
-                  </a:cubicBezTo>
-                  <a:cubicBezTo>
-                    <a:pt x="0" y="16769"/>
-                    <a:pt x="4841" y="21599"/>
-                    <a:pt x="10800" y="21599"/>
-                  </a:cubicBezTo>
-                </a:path>
-              </a:pathLst>
-            </a:custGeom>
-            <a:solidFill>
-              <a:sysClr val="window" lastClr="FFFFFF"/>
-            </a:solidFill>
-            <a:ln>
-              <a:noFill/>
-            </a:ln>
-            <a:effectLst/>
-          </p:spPr>
-          <p:txBody>
-            <a:bodyPr lIns="19050" tIns="19050" rIns="19050" bIns="19050" anchor="ctr"/>
-            <a:lstStyle/>
-            <a:p>
-              <a:pPr algn="ctr" defTabSz="228600" fontAlgn="base" hangingPunct="0">
-                <a:spcBef>
-                  <a:spcPct val="0"/>
-                </a:spcBef>
-                <a:spcAft>
-                  <a:spcPct val="0"/>
-                </a:spcAft>
-                <a:defRPr/>
-              </a:pPr>
-              <a:endParaRPr lang="en-US" sz="1500" kern="0">
-                <a:solidFill>
-                  <a:srgbClr val="FFFFFF"/>
-                </a:solidFill>
-                <a:effectLst>
-                  <a:outerShdw blurRad="38100" dist="38100" dir="2700000" algn="tl">
-                    <a:srgbClr val="000000"/>
-                  </a:outerShdw>
-                </a:effectLst>
-                <a:latin typeface="Gill Sans" charset="0"/>
-                <a:ea typeface="宋体" panose="02010600030101010101" pitchFamily="2" charset="-122"/>
-                <a:sym typeface="Gill Sans" charset="0"/>
-              </a:endParaRPr>
-            </a:p>
-          </p:txBody>
-        </p:sp>
-        <p:sp>
-          <p:nvSpPr>
-            <p:cNvPr id="31" name="AutoShape 42"/>
-            <p:cNvSpPr/>
-            <p:nvPr/>
-          </p:nvSpPr>
-          <p:spPr bwMode="auto">
-            <a:xfrm>
-              <a:off x="5786438" y="2708275"/>
-              <a:ext cx="22225" cy="22225"/>
-            </a:xfrm>
-            <a:custGeom>
-              <a:avLst/>
-              <a:gdLst>
-                <a:gd name="T0" fmla="*/ 10800 w 21600"/>
-                <a:gd name="T1" fmla="*/ 10800 h 21600"/>
-                <a:gd name="T2" fmla="*/ 10800 w 21600"/>
-                <a:gd name="T3" fmla="*/ 10800 h 21600"/>
-                <a:gd name="T4" fmla="*/ 10800 w 21600"/>
-                <a:gd name="T5" fmla="*/ 10800 h 21600"/>
-                <a:gd name="T6" fmla="*/ 10800 w 21600"/>
-                <a:gd name="T7" fmla="*/ 10800 h 21600"/>
-              </a:gdLst>
-              <a:ahLst/>
-              <a:cxnLst>
-                <a:cxn ang="0">
-                  <a:pos x="T0" y="T1"/>
-                </a:cxn>
-                <a:cxn ang="0">
-                  <a:pos x="T2" y="T3"/>
-                </a:cxn>
-                <a:cxn ang="0">
-                  <a:pos x="T4" y="T5"/>
-                </a:cxn>
-                <a:cxn ang="0">
-                  <a:pos x="T6" y="T7"/>
-                </a:cxn>
-              </a:cxnLst>
-              <a:rect l="0" t="0" r="r" b="b"/>
-              <a:pathLst>
-                <a:path w="21600" h="21600">
-                  <a:moveTo>
-                    <a:pt x="10800" y="0"/>
-                  </a:moveTo>
-                  <a:cubicBezTo>
-                    <a:pt x="4841" y="0"/>
-                    <a:pt x="0" y="4830"/>
-                    <a:pt x="0" y="10800"/>
-                  </a:cubicBezTo>
-                  <a:cubicBezTo>
-                    <a:pt x="0" y="16769"/>
-                    <a:pt x="4841" y="21599"/>
-                    <a:pt x="10800" y="21599"/>
-                  </a:cubicBezTo>
-                  <a:cubicBezTo>
-                    <a:pt x="16758" y="21599"/>
-                    <a:pt x="21600" y="16769"/>
-                    <a:pt x="21600" y="10800"/>
-                  </a:cubicBezTo>
-                  <a:cubicBezTo>
-                    <a:pt x="21600" y="4830"/>
-                    <a:pt x="16758" y="0"/>
-                    <a:pt x="10800" y="0"/>
-                  </a:cubicBezTo>
-                </a:path>
-              </a:pathLst>
-            </a:custGeom>
-            <a:solidFill>
-              <a:sysClr val="window" lastClr="FFFFFF"/>
-            </a:solidFill>
-            <a:ln>
-              <a:noFill/>
-            </a:ln>
-            <a:effectLst/>
-          </p:spPr>
-          <p:txBody>
-            <a:bodyPr lIns="19050" tIns="19050" rIns="19050" bIns="19050" anchor="ctr"/>
-            <a:lstStyle/>
-            <a:p>
-              <a:pPr algn="ctr" defTabSz="228600" fontAlgn="base" hangingPunct="0">
-                <a:spcBef>
-                  <a:spcPct val="0"/>
-                </a:spcBef>
-                <a:spcAft>
-                  <a:spcPct val="0"/>
-                </a:spcAft>
-                <a:defRPr/>
-              </a:pPr>
-              <a:endParaRPr lang="en-US" sz="1500" kern="0">
-                <a:solidFill>
-                  <a:srgbClr val="FFFFFF"/>
-                </a:solidFill>
-                <a:effectLst>
-                  <a:outerShdw blurRad="38100" dist="38100" dir="2700000" algn="tl">
-                    <a:srgbClr val="000000"/>
-                  </a:outerShdw>
-                </a:effectLst>
-                <a:latin typeface="Gill Sans" charset="0"/>
-                <a:ea typeface="宋体" panose="02010600030101010101" pitchFamily="2" charset="-122"/>
-                <a:sym typeface="Gill Sans" charset="0"/>
-              </a:endParaRPr>
-            </a:p>
-          </p:txBody>
-        </p:sp>
-      </p:grpSp>
       <p:grpSp>
         <p:nvGrpSpPr>
           <p:cNvPr id="32" name="Group 112"/>
@@ -19413,6 +18448,118 @@
               <a:ea typeface="宋体" panose="02010600030101010101" pitchFamily="2" charset="-122"/>
               <a:cs typeface="宋体" panose="02010600030101010101" pitchFamily="2" charset="-122"/>
               <a:sym typeface="+mn-ea"/>
+            </a:endParaRPr>
+          </a:p>
+        </p:txBody>
+      </p:sp>
+      <p:sp>
+        <p:nvSpPr>
+          <p:cNvPr id="4" name="文本框 3"/>
+          <p:cNvSpPr txBox="1"/>
+          <p:nvPr/>
+        </p:nvSpPr>
+        <p:spPr>
+          <a:xfrm>
+            <a:off x="5722620" y="2830830"/>
+            <a:ext cx="3065780" cy="1599565"/>
+          </a:xfrm>
+          <a:prstGeom prst="rect">
+            <a:avLst/>
+          </a:prstGeom>
+          <a:noFill/>
+        </p:spPr>
+        <p:txBody>
+          <a:bodyPr wrap="square" rtlCol="0">
+            <a:spAutoFit/>
+          </a:bodyPr>
+          <a:p>
+            <a:r>
+              <a:rPr lang="zh-CN" altLang="en-US" sz="1400">
+                <a:latin typeface="宋体" panose="02010600030101010101" pitchFamily="2" charset="-122"/>
+                <a:ea typeface="宋体" panose="02010600030101010101" pitchFamily="2" charset="-122"/>
+                <a:cs typeface="宋体" panose="02010600030101010101" pitchFamily="2" charset="-122"/>
+              </a:rPr>
+              <a:t>Springboot优点：</a:t>
+            </a:r>
+            <a:endParaRPr lang="zh-CN" altLang="en-US" sz="1400">
+              <a:latin typeface="宋体" panose="02010600030101010101" pitchFamily="2" charset="-122"/>
+              <a:ea typeface="宋体" panose="02010600030101010101" pitchFamily="2" charset="-122"/>
+              <a:cs typeface="宋体" panose="02010600030101010101" pitchFamily="2" charset="-122"/>
+            </a:endParaRPr>
+          </a:p>
+          <a:p>
+            <a:r>
+              <a:rPr lang="zh-CN" altLang="en-US" sz="1400">
+                <a:latin typeface="宋体" panose="02010600030101010101" pitchFamily="2" charset="-122"/>
+                <a:ea typeface="宋体" panose="02010600030101010101" pitchFamily="2" charset="-122"/>
+                <a:cs typeface="宋体" panose="02010600030101010101" pitchFamily="2" charset="-122"/>
+              </a:rPr>
+              <a:t>1.可以快速构建项目</a:t>
+            </a:r>
+            <a:endParaRPr lang="zh-CN" altLang="en-US" sz="1400">
+              <a:latin typeface="宋体" panose="02010600030101010101" pitchFamily="2" charset="-122"/>
+              <a:ea typeface="宋体" panose="02010600030101010101" pitchFamily="2" charset="-122"/>
+              <a:cs typeface="宋体" panose="02010600030101010101" pitchFamily="2" charset="-122"/>
+            </a:endParaRPr>
+          </a:p>
+          <a:p>
+            <a:r>
+              <a:rPr lang="zh-CN" altLang="en-US" sz="1400">
+                <a:latin typeface="宋体" panose="02010600030101010101" pitchFamily="2" charset="-122"/>
+                <a:ea typeface="宋体" panose="02010600030101010101" pitchFamily="2" charset="-122"/>
+                <a:cs typeface="宋体" panose="02010600030101010101" pitchFamily="2" charset="-122"/>
+              </a:rPr>
+              <a:t>2.对主流开发框架的无配置集成</a:t>
+            </a:r>
+            <a:endParaRPr lang="zh-CN" altLang="en-US" sz="1400">
+              <a:latin typeface="宋体" panose="02010600030101010101" pitchFamily="2" charset="-122"/>
+              <a:ea typeface="宋体" panose="02010600030101010101" pitchFamily="2" charset="-122"/>
+              <a:cs typeface="宋体" panose="02010600030101010101" pitchFamily="2" charset="-122"/>
+            </a:endParaRPr>
+          </a:p>
+          <a:p>
+            <a:r>
+              <a:rPr lang="zh-CN" altLang="en-US" sz="1400">
+                <a:latin typeface="宋体" panose="02010600030101010101" pitchFamily="2" charset="-122"/>
+                <a:ea typeface="宋体" panose="02010600030101010101" pitchFamily="2" charset="-122"/>
+                <a:cs typeface="宋体" panose="02010600030101010101" pitchFamily="2" charset="-122"/>
+              </a:rPr>
+              <a:t>3.项目可独立运行，无须外部依赖Servlet容器。</a:t>
+            </a:r>
+            <a:endParaRPr lang="zh-CN" altLang="en-US" sz="1400">
+              <a:latin typeface="宋体" panose="02010600030101010101" pitchFamily="2" charset="-122"/>
+              <a:ea typeface="宋体" panose="02010600030101010101" pitchFamily="2" charset="-122"/>
+              <a:cs typeface="宋体" panose="02010600030101010101" pitchFamily="2" charset="-122"/>
+            </a:endParaRPr>
+          </a:p>
+          <a:p>
+            <a:r>
+              <a:rPr lang="zh-CN" altLang="en-US" sz="1400">
+                <a:latin typeface="宋体" panose="02010600030101010101" pitchFamily="2" charset="-122"/>
+                <a:ea typeface="宋体" panose="02010600030101010101" pitchFamily="2" charset="-122"/>
+                <a:cs typeface="宋体" panose="02010600030101010101" pitchFamily="2" charset="-122"/>
+              </a:rPr>
+              <a:t>4.提供运行时的应用监控</a:t>
+            </a:r>
+            <a:endParaRPr lang="zh-CN" altLang="en-US" sz="1400">
+              <a:latin typeface="宋体" panose="02010600030101010101" pitchFamily="2" charset="-122"/>
+              <a:ea typeface="宋体" panose="02010600030101010101" pitchFamily="2" charset="-122"/>
+              <a:cs typeface="宋体" panose="02010600030101010101" pitchFamily="2" charset="-122"/>
+            </a:endParaRPr>
+          </a:p>
+          <a:p>
+            <a:r>
+              <a:rPr lang="zh-CN" altLang="en-US" sz="1400">
+                <a:latin typeface="宋体" panose="02010600030101010101" pitchFamily="2" charset="-122"/>
+                <a:ea typeface="宋体" panose="02010600030101010101" pitchFamily="2" charset="-122"/>
+                <a:cs typeface="宋体" panose="02010600030101010101" pitchFamily="2" charset="-122"/>
+              </a:rPr>
+              <a:t>5.极大地提高了开发、部署效率</a:t>
+            </a:r>
+            <a:endParaRPr lang="zh-CN" altLang="en-US" sz="1400">
+              <a:latin typeface="宋体" panose="02010600030101010101" pitchFamily="2" charset="-122"/>
+              <a:ea typeface="宋体" panose="02010600030101010101" pitchFamily="2" charset="-122"/>
+              <a:cs typeface="宋体" panose="02010600030101010101" pitchFamily="2" charset="-122"/>
             </a:endParaRPr>
           </a:p>
         </p:txBody>
